--- a/SPL-final.pptx
+++ b/SPL-final.pptx
@@ -265,7 +265,7 @@
           <a:p>
             <a:fld id="{A20F7539-0DBE-4ED4-B0C2-500151A5B887}" type="datetimeFigureOut">
               <a:rPr lang="en-US" smtClean="0"/>
-              <a:t>16-Dec-23</a:t>
+              <a:t>17-Dec-23</a:t>
             </a:fld>
             <a:endParaRPr lang="en-US"/>
           </a:p>
@@ -552,7 +552,7 @@
           <a:p>
             <a:fld id="{A20F7539-0DBE-4ED4-B0C2-500151A5B887}" type="datetimeFigureOut">
               <a:rPr lang="en-US" smtClean="0"/>
-              <a:t>16-Dec-23</a:t>
+              <a:t>17-Dec-23</a:t>
             </a:fld>
             <a:endParaRPr lang="en-US"/>
           </a:p>
@@ -744,7 +744,7 @@
           <a:p>
             <a:fld id="{A20F7539-0DBE-4ED4-B0C2-500151A5B887}" type="datetimeFigureOut">
               <a:rPr lang="en-US" smtClean="0"/>
-              <a:t>16-Dec-23</a:t>
+              <a:t>17-Dec-23</a:t>
             </a:fld>
             <a:endParaRPr lang="en-US"/>
           </a:p>
@@ -1005,7 +1005,7 @@
           <a:p>
             <a:fld id="{A20F7539-0DBE-4ED4-B0C2-500151A5B887}" type="datetimeFigureOut">
               <a:rPr lang="en-US" smtClean="0"/>
-              <a:t>16-Dec-23</a:t>
+              <a:t>17-Dec-23</a:t>
             </a:fld>
             <a:endParaRPr lang="en-US"/>
           </a:p>
@@ -1429,7 +1429,7 @@
           <a:p>
             <a:fld id="{A20F7539-0DBE-4ED4-B0C2-500151A5B887}" type="datetimeFigureOut">
               <a:rPr lang="en-US" smtClean="0"/>
-              <a:t>16-Dec-23</a:t>
+              <a:t>17-Dec-23</a:t>
             </a:fld>
             <a:endParaRPr lang="en-US"/>
           </a:p>
@@ -1975,7 +1975,7 @@
           <a:p>
             <a:fld id="{A20F7539-0DBE-4ED4-B0C2-500151A5B887}" type="datetimeFigureOut">
               <a:rPr lang="en-US" smtClean="0"/>
-              <a:t>16-Dec-23</a:t>
+              <a:t>17-Dec-23</a:t>
             </a:fld>
             <a:endParaRPr lang="en-US"/>
           </a:p>
@@ -2815,7 +2815,7 @@
           <a:p>
             <a:fld id="{A20F7539-0DBE-4ED4-B0C2-500151A5B887}" type="datetimeFigureOut">
               <a:rPr lang="en-US" smtClean="0"/>
-              <a:t>16-Dec-23</a:t>
+              <a:t>17-Dec-23</a:t>
             </a:fld>
             <a:endParaRPr lang="en-US"/>
           </a:p>
@@ -2985,7 +2985,7 @@
           <a:p>
             <a:fld id="{A20F7539-0DBE-4ED4-B0C2-500151A5B887}" type="datetimeFigureOut">
               <a:rPr lang="en-US" smtClean="0"/>
-              <a:t>16-Dec-23</a:t>
+              <a:t>17-Dec-23</a:t>
             </a:fld>
             <a:endParaRPr lang="en-US"/>
           </a:p>
@@ -3169,7 +3169,7 @@
           <a:p>
             <a:fld id="{A20F7539-0DBE-4ED4-B0C2-500151A5B887}" type="datetimeFigureOut">
               <a:rPr lang="en-US" smtClean="0"/>
-              <a:t>16-Dec-23</a:t>
+              <a:t>17-Dec-23</a:t>
             </a:fld>
             <a:endParaRPr lang="en-US"/>
           </a:p>
@@ -3339,7 +3339,7 @@
           <a:p>
             <a:fld id="{A20F7539-0DBE-4ED4-B0C2-500151A5B887}" type="datetimeFigureOut">
               <a:rPr lang="en-US" smtClean="0"/>
-              <a:t>16-Dec-23</a:t>
+              <a:t>17-Dec-23</a:t>
             </a:fld>
             <a:endParaRPr lang="en-US"/>
           </a:p>
@@ -3587,7 +3587,7 @@
           <a:p>
             <a:fld id="{A20F7539-0DBE-4ED4-B0C2-500151A5B887}" type="datetimeFigureOut">
               <a:rPr lang="en-US" smtClean="0"/>
-              <a:t>16-Dec-23</a:t>
+              <a:t>17-Dec-23</a:t>
             </a:fld>
             <a:endParaRPr lang="en-US"/>
           </a:p>
@@ -3824,7 +3824,7 @@
           <a:p>
             <a:fld id="{A20F7539-0DBE-4ED4-B0C2-500151A5B887}" type="datetimeFigureOut">
               <a:rPr lang="en-US" smtClean="0"/>
-              <a:t>16-Dec-23</a:t>
+              <a:t>17-Dec-23</a:t>
             </a:fld>
             <a:endParaRPr lang="en-US"/>
           </a:p>
@@ -4197,7 +4197,7 @@
           <a:p>
             <a:fld id="{A20F7539-0DBE-4ED4-B0C2-500151A5B887}" type="datetimeFigureOut">
               <a:rPr lang="en-US" smtClean="0"/>
-              <a:t>16-Dec-23</a:t>
+              <a:t>17-Dec-23</a:t>
             </a:fld>
             <a:endParaRPr lang="en-US"/>
           </a:p>
@@ -4315,7 +4315,7 @@
           <a:p>
             <a:fld id="{A20F7539-0DBE-4ED4-B0C2-500151A5B887}" type="datetimeFigureOut">
               <a:rPr lang="en-US" smtClean="0"/>
-              <a:t>16-Dec-23</a:t>
+              <a:t>17-Dec-23</a:t>
             </a:fld>
             <a:endParaRPr lang="en-US"/>
           </a:p>
@@ -4410,7 +4410,7 @@
           <a:p>
             <a:fld id="{A20F7539-0DBE-4ED4-B0C2-500151A5B887}" type="datetimeFigureOut">
               <a:rPr lang="en-US" smtClean="0"/>
-              <a:t>16-Dec-23</a:t>
+              <a:t>17-Dec-23</a:t>
             </a:fld>
             <a:endParaRPr lang="en-US"/>
           </a:p>
@@ -4661,7 +4661,7 @@
           <a:p>
             <a:fld id="{A20F7539-0DBE-4ED4-B0C2-500151A5B887}" type="datetimeFigureOut">
               <a:rPr lang="en-US" smtClean="0"/>
-              <a:t>16-Dec-23</a:t>
+              <a:t>17-Dec-23</a:t>
             </a:fld>
             <a:endParaRPr lang="en-US"/>
           </a:p>
@@ -4948,7 +4948,7 @@
           <a:p>
             <a:fld id="{A20F7539-0DBE-4ED4-B0C2-500151A5B887}" type="datetimeFigureOut">
               <a:rPr lang="en-US" smtClean="0"/>
-              <a:t>16-Dec-23</a:t>
+              <a:t>17-Dec-23</a:t>
             </a:fld>
             <a:endParaRPr lang="en-US"/>
           </a:p>
@@ -5161,7 +5161,7 @@
           <a:p>
             <a:fld id="{A20F7539-0DBE-4ED4-B0C2-500151A5B887}" type="datetimeFigureOut">
               <a:rPr lang="en-US" smtClean="0"/>
-              <a:t>16-Dec-23</a:t>
+              <a:t>17-Dec-23</a:t>
             </a:fld>
             <a:endParaRPr lang="en-US"/>
           </a:p>
@@ -5741,7 +5741,7 @@
         <p:spPr>
           <a:xfrm>
             <a:off x="1012874" y="2317264"/>
-            <a:ext cx="5303520" cy="2092881"/>
+            <a:ext cx="5303520" cy="2185214"/>
           </a:xfrm>
           <a:prstGeom prst="rect">
             <a:avLst/>
@@ -5755,32 +5755,48 @@
           <a:lstStyle/>
           <a:p>
             <a:r>
-              <a:rPr lang="en-US" sz="2600" b="1" dirty="0" smtClean="0">
+              <a:rPr lang="en-US" sz="2800" b="1" dirty="0" smtClean="0">
                 <a:solidFill>
                   <a:srgbClr val="002060"/>
                 </a:solidFill>
+                <a:latin typeface="Arial" panose="020B0604020202020204" pitchFamily="34" charset="0"/>
+                <a:cs typeface="Arial" panose="020B0604020202020204" pitchFamily="34" charset="0"/>
               </a:rPr>
               <a:t>This is Md. Shaikhul Islam</a:t>
             </a:r>
           </a:p>
           <a:p>
             <a:r>
-              <a:rPr lang="en-US" sz="2600" b="1" dirty="0" smtClean="0">
+              <a:rPr lang="en-US" sz="2800" b="1" dirty="0" smtClean="0">
                 <a:solidFill>
                   <a:srgbClr val="002060"/>
                 </a:solidFill>
+                <a:latin typeface="Arial" panose="020B0604020202020204" pitchFamily="34" charset="0"/>
+                <a:cs typeface="Arial" panose="020B0604020202020204" pitchFamily="34" charset="0"/>
               </a:rPr>
               <a:t>From BSSE-14</a:t>
             </a:r>
           </a:p>
           <a:p>
             <a:r>
-              <a:rPr lang="en-US" sz="2600" b="1" dirty="0" smtClean="0">
+              <a:rPr lang="en-US" sz="2800" b="1" dirty="0" smtClean="0">
                 <a:solidFill>
                   <a:srgbClr val="002060"/>
                 </a:solidFill>
-              </a:rPr>
-              <a:t>Id – 1438</a:t>
+                <a:latin typeface="Arial" panose="020B0604020202020204" pitchFamily="34" charset="0"/>
+                <a:cs typeface="Arial" panose="020B0604020202020204" pitchFamily="34" charset="0"/>
+              </a:rPr>
+              <a:t>ID- </a:t>
+            </a:r>
+            <a:r>
+              <a:rPr lang="en-US" sz="2800" b="1" dirty="0" smtClean="0">
+                <a:solidFill>
+                  <a:srgbClr val="002060"/>
+                </a:solidFill>
+                <a:latin typeface="Arial" panose="020B0604020202020204" pitchFamily="34" charset="0"/>
+                <a:cs typeface="Arial" panose="020B0604020202020204" pitchFamily="34" charset="0"/>
+              </a:rPr>
+              <a:t>1438</a:t>
             </a:r>
           </a:p>
           <a:p>
@@ -5852,6 +5868,8 @@
                 <a:solidFill>
                   <a:srgbClr val="002060"/>
                 </a:solidFill>
+                <a:latin typeface="Arial" panose="020B0604020202020204" pitchFamily="34" charset="0"/>
+                <a:cs typeface="Arial" panose="020B0604020202020204" pitchFamily="34" charset="0"/>
               </a:rPr>
               <a:t>Supervised by :</a:t>
             </a:r>
@@ -5863,6 +5881,8 @@
                 <a:solidFill>
                   <a:srgbClr val="002060"/>
                 </a:solidFill>
+                <a:latin typeface="Arial" panose="020B0604020202020204" pitchFamily="34" charset="0"/>
+                <a:cs typeface="Arial" panose="020B0604020202020204" pitchFamily="34" charset="0"/>
               </a:rPr>
               <a:t>Assistant Prof. </a:t>
             </a:r>
@@ -5871,6 +5891,8 @@
                 <a:solidFill>
                   <a:srgbClr val="002060"/>
                 </a:solidFill>
+                <a:latin typeface="Arial" panose="020B0604020202020204" pitchFamily="34" charset="0"/>
+                <a:cs typeface="Arial" panose="020B0604020202020204" pitchFamily="34" charset="0"/>
               </a:rPr>
               <a:t>Abdus</a:t>
             </a:r>
@@ -5879,6 +5901,8 @@
                 <a:solidFill>
                   <a:srgbClr val="002060"/>
                 </a:solidFill>
+                <a:latin typeface="Arial" panose="020B0604020202020204" pitchFamily="34" charset="0"/>
+                <a:cs typeface="Arial" panose="020B0604020202020204" pitchFamily="34" charset="0"/>
               </a:rPr>
               <a:t> </a:t>
             </a:r>
@@ -5887,6 +5911,8 @@
                 <a:solidFill>
                   <a:srgbClr val="002060"/>
                 </a:solidFill>
+                <a:latin typeface="Arial" panose="020B0604020202020204" pitchFamily="34" charset="0"/>
+                <a:cs typeface="Arial" panose="020B0604020202020204" pitchFamily="34" charset="0"/>
               </a:rPr>
               <a:t>Satter</a:t>
             </a:r>
@@ -5894,6 +5920,8 @@
               <a:solidFill>
                 <a:srgbClr val="002060"/>
               </a:solidFill>
+              <a:latin typeface="Arial" panose="020B0604020202020204" pitchFamily="34" charset="0"/>
+              <a:cs typeface="Arial" panose="020B0604020202020204" pitchFamily="34" charset="0"/>
             </a:endParaRPr>
           </a:p>
           <a:p>
@@ -5903,6 +5931,8 @@
                 <a:solidFill>
                   <a:srgbClr val="002060"/>
                 </a:solidFill>
+                <a:latin typeface="Arial" panose="020B0604020202020204" pitchFamily="34" charset="0"/>
+                <a:cs typeface="Arial" panose="020B0604020202020204" pitchFamily="34" charset="0"/>
               </a:rPr>
               <a:t>IIT, Dhaka University.</a:t>
             </a:r>
@@ -6019,7 +6049,7 @@
           <p:cNvPr id="2" name="Title 1">
             <a:extLst>
               <a:ext uri="{FF2B5EF4-FFF2-40B4-BE49-F238E27FC236}">
-                <a16:creationId xmlns="" xmlns:a16="http://schemas.microsoft.com/office/drawing/2014/main" id="{74FD574B-BDD0-41B8-AB2A-D6CB0C4D7DFA}"/>
+                <a16:creationId xmlns:a16="http://schemas.microsoft.com/office/drawing/2014/main" xmlns="" id="{74FD574B-BDD0-41B8-AB2A-D6CB0C4D7DFA}"/>
               </a:ext>
             </a:extLst>
           </p:cNvPr>
@@ -6141,7 +6171,7 @@
     <a:masterClrMapping/>
   </p:clrMapOvr>
   <mc:AlternateContent xmlns:mc="http://schemas.openxmlformats.org/markup-compatibility/2006">
-    <mc:Choice xmlns="" xmlns:p159="http://schemas.microsoft.com/office/powerpoint/2015/09/main" Requires="p159">
+    <mc:Choice xmlns:p159="http://schemas.microsoft.com/office/powerpoint/2015/09/main" xmlns="" Requires="p159">
       <p:transition xmlns:p14="http://schemas.microsoft.com/office/powerpoint/2010/main" spd="slow" p14:dur="2000">
         <p159:morph option="byObject"/>
       </p:transition>
@@ -6184,7 +6214,7 @@
           <p:cNvPr id="2" name="Title 1">
             <a:extLst>
               <a:ext uri="{FF2B5EF4-FFF2-40B4-BE49-F238E27FC236}">
-                <a16:creationId xmlns="" xmlns:a16="http://schemas.microsoft.com/office/drawing/2014/main" id="{74FD574B-BDD0-41B8-AB2A-D6CB0C4D7DFA}"/>
+                <a16:creationId xmlns:a16="http://schemas.microsoft.com/office/drawing/2014/main" xmlns="" id="{74FD574B-BDD0-41B8-AB2A-D6CB0C4D7DFA}"/>
               </a:ext>
             </a:extLst>
           </p:cNvPr>
@@ -6280,7 +6310,7 @@
     <a:masterClrMapping/>
   </p:clrMapOvr>
   <mc:AlternateContent xmlns:mc="http://schemas.openxmlformats.org/markup-compatibility/2006">
-    <mc:Choice xmlns="" xmlns:p159="http://schemas.microsoft.com/office/powerpoint/2015/09/main" Requires="p159">
+    <mc:Choice xmlns:p159="http://schemas.microsoft.com/office/powerpoint/2015/09/main" xmlns="" Requires="p159">
       <p:transition xmlns:p14="http://schemas.microsoft.com/office/powerpoint/2010/main" spd="slow" p14:dur="2000">
         <p159:morph option="byObject"/>
       </p:transition>
@@ -6323,7 +6353,7 @@
           <p:cNvPr id="2" name="Title 1">
             <a:extLst>
               <a:ext uri="{FF2B5EF4-FFF2-40B4-BE49-F238E27FC236}">
-                <a16:creationId xmlns="" xmlns:a16="http://schemas.microsoft.com/office/drawing/2014/main" id="{74FD574B-BDD0-41B8-AB2A-D6CB0C4D7DFA}"/>
+                <a16:creationId xmlns:a16="http://schemas.microsoft.com/office/drawing/2014/main" xmlns="" id="{74FD574B-BDD0-41B8-AB2A-D6CB0C4D7DFA}"/>
               </a:ext>
             </a:extLst>
           </p:cNvPr>
@@ -6419,7 +6449,7 @@
     <a:masterClrMapping/>
   </p:clrMapOvr>
   <mc:AlternateContent xmlns:mc="http://schemas.openxmlformats.org/markup-compatibility/2006">
-    <mc:Choice xmlns="" xmlns:p159="http://schemas.microsoft.com/office/powerpoint/2015/09/main" Requires="p159">
+    <mc:Choice xmlns:p159="http://schemas.microsoft.com/office/powerpoint/2015/09/main" xmlns="" Requires="p159">
       <p:transition xmlns:p14="http://schemas.microsoft.com/office/powerpoint/2010/main" spd="slow" p14:dur="2000">
         <p159:morph option="byObject"/>
       </p:transition>
@@ -6693,7 +6723,7 @@
           <p:cNvPr id="2" name="Title 1">
             <a:extLst>
               <a:ext uri="{FF2B5EF4-FFF2-40B4-BE49-F238E27FC236}">
-                <a16:creationId xmlns="" xmlns:a16="http://schemas.microsoft.com/office/drawing/2014/main" id="{2842FD1B-E817-4D6E-BEF9-97467597475D}"/>
+                <a16:creationId xmlns:a16="http://schemas.microsoft.com/office/drawing/2014/main" xmlns="" id="{2842FD1B-E817-4D6E-BEF9-97467597475D}"/>
               </a:ext>
             </a:extLst>
           </p:cNvPr>
@@ -6733,7 +6763,7 @@
           <p:cNvPr id="3" name="Content Placeholder 2">
             <a:extLst>
               <a:ext uri="{FF2B5EF4-FFF2-40B4-BE49-F238E27FC236}">
-                <a16:creationId xmlns="" xmlns:a16="http://schemas.microsoft.com/office/drawing/2014/main" id="{446DAEC2-16D4-4A04-9A1D-296D4A8F6736}"/>
+                <a16:creationId xmlns:a16="http://schemas.microsoft.com/office/drawing/2014/main" xmlns="" id="{446DAEC2-16D4-4A04-9A1D-296D4A8F6736}"/>
               </a:ext>
             </a:extLst>
           </p:cNvPr>
@@ -6809,7 +6839,7 @@
     <a:masterClrMapping/>
   </p:clrMapOvr>
   <mc:AlternateContent xmlns:mc="http://schemas.openxmlformats.org/markup-compatibility/2006">
-    <mc:Choice xmlns="" xmlns:p159="http://schemas.microsoft.com/office/powerpoint/2015/09/main" Requires="p159">
+    <mc:Choice xmlns:p159="http://schemas.microsoft.com/office/powerpoint/2015/09/main" xmlns="" Requires="p159">
       <p:transition xmlns:p14="http://schemas.microsoft.com/office/powerpoint/2010/main" spd="slow" p14:dur="2000">
         <p159:morph option="byObject"/>
       </p:transition>
@@ -7200,7 +7230,7 @@
           <p:cNvPr id="2" name="Title 1">
             <a:extLst>
               <a:ext uri="{FF2B5EF4-FFF2-40B4-BE49-F238E27FC236}">
-                <a16:creationId xmlns="" xmlns:a16="http://schemas.microsoft.com/office/drawing/2014/main" id="{0DC45835-AE55-4795-B106-C964BCDE148E}"/>
+                <a16:creationId xmlns:a16="http://schemas.microsoft.com/office/drawing/2014/main" xmlns="" id="{0DC45835-AE55-4795-B106-C964BCDE148E}"/>
               </a:ext>
             </a:extLst>
           </p:cNvPr>
@@ -7240,7 +7270,7 @@
           <p:cNvPr id="3" name="Content Placeholder 2">
             <a:extLst>
               <a:ext uri="{FF2B5EF4-FFF2-40B4-BE49-F238E27FC236}">
-                <a16:creationId xmlns="" xmlns:a16="http://schemas.microsoft.com/office/drawing/2014/main" id="{BC8FE7A9-5E53-4CD4-8614-07BC31C903FB}"/>
+                <a16:creationId xmlns:a16="http://schemas.microsoft.com/office/drawing/2014/main" xmlns="" id="{BC8FE7A9-5E53-4CD4-8614-07BC31C903FB}"/>
               </a:ext>
             </a:extLst>
           </p:cNvPr>
@@ -7276,27 +7306,7 @@
             </a:r>
             <a:r>
               <a:rPr lang="en-US" sz="2200" dirty="0" smtClean="0"/>
-              <a:t>Along with the modernization of the world, in every sector of life is needed to be upgraded . That’s why digitization is needed everywhere . With a view to claiming that, all type of office work is taken under modern machines . </a:t>
-            </a:r>
-            <a:r>
-              <a:rPr lang="en-US" sz="2200" dirty="0" smtClean="0"/>
-              <a:t>	Nevertheless</a:t>
-            </a:r>
-            <a:r>
-              <a:rPr lang="en-US" sz="2200" dirty="0" smtClean="0"/>
-              <a:t>, the social organizations are also doing the same . In the management sector of hotel, leaving the pen-paper manual method adapting with digital system is certainly difficult . But to do so, a convenient and user-friendly is needed . That’s the motive of my work . Along with this , the security and privacy of the data is very important . That’s why the matter of encryption-decryption has been initiated . To fulfill and manage the prerequisites of people, this project </a:t>
-            </a:r>
-            <a:r>
-              <a:rPr lang="en-US" sz="2200" dirty="0" smtClean="0"/>
-              <a:t>is</a:t>
-            </a:r>
-            <a:r>
-              <a:rPr lang="en-US" sz="2200" dirty="0" smtClean="0"/>
-              <a:t> developed</a:t>
-            </a:r>
-            <a:r>
-              <a:rPr lang="en-US" sz="2200" dirty="0" smtClean="0"/>
-              <a:t>.</a:t>
+              <a:t>Along with the modernization of the world, in every sector of life is needed to be upgraded . That’s why digitization is needed everywhere . With a view to claiming that, all type of office work is taken under modern machines . 	Nevertheless, the social organizations are also doing the same . In the management sector of hotel, leaving the pen-paper manual method adapting with digital system is certainly difficult . But to do so, a convenient and user-friendly is needed . That’s the motive of my work . Along with this , the security and privacy of the data is very important . That’s why the matter of encryption-decryption has been initiated . To fulfill and manage the prerequisites of people, this project is developed.</a:t>
             </a:r>
             <a:endParaRPr lang="en-US" sz="2200" dirty="0"/>
           </a:p>
@@ -7313,7 +7323,7 @@
     <a:masterClrMapping/>
   </p:clrMapOvr>
   <mc:AlternateContent xmlns:mc="http://schemas.openxmlformats.org/markup-compatibility/2006">
-    <mc:Choice xmlns="" xmlns:p159="http://schemas.microsoft.com/office/powerpoint/2015/09/main" Requires="p159">
+    <mc:Choice xmlns:p159="http://schemas.microsoft.com/office/powerpoint/2015/09/main" xmlns="" Requires="p159">
       <p:transition xmlns:p14="http://schemas.microsoft.com/office/powerpoint/2010/main" spd="slow" p14:dur="2000">
         <p159:morph option="byObject"/>
       </p:transition>
@@ -7466,7 +7476,7 @@
           <p:cNvPr id="2" name="Title 1">
             <a:extLst>
               <a:ext uri="{FF2B5EF4-FFF2-40B4-BE49-F238E27FC236}">
-                <a16:creationId xmlns="" xmlns:a16="http://schemas.microsoft.com/office/drawing/2014/main" id="{5B01DF8D-9076-4FD0-A160-32E761E0E83C}"/>
+                <a16:creationId xmlns:a16="http://schemas.microsoft.com/office/drawing/2014/main" xmlns="" id="{5B01DF8D-9076-4FD0-A160-32E761E0E83C}"/>
               </a:ext>
             </a:extLst>
           </p:cNvPr>
@@ -7528,7 +7538,7 @@
           <p:cNvPr id="3" name="Subtitle 2">
             <a:extLst>
               <a:ext uri="{FF2B5EF4-FFF2-40B4-BE49-F238E27FC236}">
-                <a16:creationId xmlns="" xmlns:a16="http://schemas.microsoft.com/office/drawing/2014/main" id="{DE9E6B86-A10E-4A11-85A8-6EE3C65C7032}"/>
+                <a16:creationId xmlns:a16="http://schemas.microsoft.com/office/drawing/2014/main" xmlns="" id="{DE9E6B86-A10E-4A11-85A8-6EE3C65C7032}"/>
               </a:ext>
             </a:extLst>
           </p:cNvPr>
@@ -7589,7 +7599,7 @@
     <a:masterClrMapping/>
   </p:clrMapOvr>
   <mc:AlternateContent xmlns:mc="http://schemas.openxmlformats.org/markup-compatibility/2006">
-    <mc:Choice xmlns="" xmlns:p159="http://schemas.microsoft.com/office/powerpoint/2015/09/main" Requires="p159">
+    <mc:Choice xmlns:p159="http://schemas.microsoft.com/office/powerpoint/2015/09/main" xmlns="" Requires="p159">
       <p:transition xmlns:p14="http://schemas.microsoft.com/office/powerpoint/2010/main" spd="slow" p14:dur="2000">
         <p159:morph option="byObject"/>
       </p:transition>
@@ -7680,7 +7690,15 @@
           <a:p>
             <a:r>
               <a:rPr lang="en-US" dirty="0" smtClean="0"/>
-              <a:t>Line of Code :  1500+</a:t>
+              <a:t>Line of Code :  </a:t>
+            </a:r>
+            <a:r>
+              <a:rPr lang="en-US" dirty="0" smtClean="0"/>
+              <a:t>2400</a:t>
+            </a:r>
+            <a:r>
+              <a:rPr lang="en-US" dirty="0" smtClean="0"/>
+              <a:t>+</a:t>
             </a:r>
           </a:p>
           <a:p>
@@ -7802,13 +7820,13 @@
   <p:clrMapOvr>
     <a:masterClrMapping/>
   </p:clrMapOvr>
-  <mc:AlternateContent xmlns:mc="http://schemas.openxmlformats.org/markup-compatibility/2006">
-    <mc:Choice xmlns:p14="http://schemas.microsoft.com/office/powerpoint/2010/main" Requires="p14">
+  <mc:AlternateContent xmlns:mc="http://schemas.openxmlformats.org/markup-compatibility/2006" xmlns:p14="http://schemas.microsoft.com/office/powerpoint/2010/main">
+    <mc:Choice Requires="p14">
       <p:transition spd="slow" p14:dur="3400">
         <p14:reveal/>
       </p:transition>
     </mc:Choice>
-    <mc:Fallback>
+    <mc:Fallback xmlns="">
       <p:transition spd="slow">
         <p:fade/>
       </p:transition>
@@ -7846,7 +7864,7 @@
           <p:cNvPr id="2" name="Title 1">
             <a:extLst>
               <a:ext uri="{FF2B5EF4-FFF2-40B4-BE49-F238E27FC236}">
-                <a16:creationId xmlns="" xmlns:a16="http://schemas.microsoft.com/office/drawing/2014/main" id="{C7F8D05C-49A1-4BFF-BFFF-D75DEAF7A9A1}"/>
+                <a16:creationId xmlns:a16="http://schemas.microsoft.com/office/drawing/2014/main" xmlns="" id="{C7F8D05C-49A1-4BFF-BFFF-D75DEAF7A9A1}"/>
               </a:ext>
             </a:extLst>
           </p:cNvPr>
@@ -7880,7 +7898,7 @@
           <p:cNvPr id="3" name="Content Placeholder 2">
             <a:extLst>
               <a:ext uri="{FF2B5EF4-FFF2-40B4-BE49-F238E27FC236}">
-                <a16:creationId xmlns="" xmlns:a16="http://schemas.microsoft.com/office/drawing/2014/main" id="{5B2221C3-D08D-4AF2-8D33-DF725FCCA1C7}"/>
+                <a16:creationId xmlns:a16="http://schemas.microsoft.com/office/drawing/2014/main" xmlns="" id="{5B2221C3-D08D-4AF2-8D33-DF725FCCA1C7}"/>
               </a:ext>
             </a:extLst>
           </p:cNvPr>
@@ -7940,36 +7958,18 @@
               <a:rPr lang="en-US" sz="1800" dirty="0" smtClean="0">
                 <a:effectLst/>
               </a:rPr>
-              <a:t>a digital hotel management system</a:t>
-            </a:r>
+              <a:t>a digital hotel management system. </a:t>
+            </a:r>
+          </a:p>
+          <a:p>
+            <a:pPr marL="0" indent="0">
+              <a:buNone/>
+            </a:pPr>
             <a:r>
               <a:rPr lang="en-US" sz="1800" dirty="0" smtClean="0">
                 <a:effectLst/>
               </a:rPr>
-              <a:t>. </a:t>
-            </a:r>
-          </a:p>
-          <a:p>
-            <a:pPr marL="0" indent="0">
-              <a:buNone/>
-            </a:pPr>
-            <a:r>
-              <a:rPr lang="en-US" sz="1800" dirty="0" smtClean="0">
-                <a:effectLst/>
-              </a:rPr>
-              <a:t>Here </a:t>
-            </a:r>
-            <a:r>
-              <a:rPr lang="en-US" sz="1800" dirty="0" smtClean="0">
-                <a:effectLst/>
-              </a:rPr>
-              <a:t>there are two type of login interface </a:t>
-            </a:r>
-            <a:r>
-              <a:rPr lang="en-US" sz="1800" dirty="0" smtClean="0">
-                <a:effectLst/>
-              </a:rPr>
-              <a:t>–       </a:t>
+              <a:t>Here there are two type of login interface –       </a:t>
             </a:r>
             <a:r>
               <a:rPr lang="en-US" sz="1800" b="1" dirty="0" smtClean="0">
@@ -7995,9 +7995,6 @@
               </a:rPr>
               <a:t>. Clients. </a:t>
             </a:r>
-            <a:endParaRPr lang="en-US" sz="1800" b="1" dirty="0">
-              <a:effectLst/>
-            </a:endParaRPr>
           </a:p>
           <a:p>
             <a:pPr marL="0" indent="0">
@@ -8192,7 +8189,7 @@
     <a:masterClrMapping/>
   </p:clrMapOvr>
   <mc:AlternateContent xmlns:mc="http://schemas.openxmlformats.org/markup-compatibility/2006">
-    <mc:Choice xmlns="" xmlns:p159="http://schemas.microsoft.com/office/powerpoint/2015/09/main" Requires="p159">
+    <mc:Choice xmlns:p159="http://schemas.microsoft.com/office/powerpoint/2015/09/main" xmlns="" Requires="p159">
       <p:transition xmlns:p14="http://schemas.microsoft.com/office/powerpoint/2010/main" spd="slow" p14:dur="2000">
         <p159:morph option="byObject"/>
       </p:transition>
@@ -8235,7 +8232,7 @@
           <p:cNvPr id="2" name="Title 1">
             <a:extLst>
               <a:ext uri="{FF2B5EF4-FFF2-40B4-BE49-F238E27FC236}">
-                <a16:creationId xmlns="" xmlns:a16="http://schemas.microsoft.com/office/drawing/2014/main" id="{D3F63A40-81E2-4ADC-8BC3-E2F5F56A1655}"/>
+                <a16:creationId xmlns:a16="http://schemas.microsoft.com/office/drawing/2014/main" xmlns="" id="{D3F63A40-81E2-4ADC-8BC3-E2F5F56A1655}"/>
               </a:ext>
             </a:extLst>
           </p:cNvPr>
@@ -8274,7 +8271,7 @@
           <p:cNvPr id="3" name="Content Placeholder 2">
             <a:extLst>
               <a:ext uri="{FF2B5EF4-FFF2-40B4-BE49-F238E27FC236}">
-                <a16:creationId xmlns="" xmlns:a16="http://schemas.microsoft.com/office/drawing/2014/main" id="{1D179F0D-235F-45DA-92FE-B13E3046E2E0}"/>
+                <a16:creationId xmlns:a16="http://schemas.microsoft.com/office/drawing/2014/main" xmlns="" id="{1D179F0D-235F-45DA-92FE-B13E3046E2E0}"/>
               </a:ext>
             </a:extLst>
           </p:cNvPr>
@@ -8348,18 +8345,12 @@
               <a:rPr lang="en-US" dirty="0" smtClean="0"/>
               <a:t>be ensured .</a:t>
             </a:r>
-            <a:endParaRPr lang="en-US" dirty="0" smtClean="0"/>
           </a:p>
           <a:p>
             <a:r>
               <a:rPr lang="en-US" dirty="0" smtClean="0"/>
-              <a:t>Command lineup and system testing should be ensured </a:t>
-            </a:r>
-            <a:r>
-              <a:rPr lang="en-US" dirty="0" smtClean="0"/>
-              <a:t>.</a:t>
-            </a:r>
-            <a:endParaRPr lang="en-US" dirty="0" smtClean="0"/>
+              <a:t>Command lineup and system testing should be ensured .</a:t>
+            </a:r>
           </a:p>
         </p:txBody>
       </p:sp>
@@ -8374,7 +8365,7 @@
     <a:masterClrMapping/>
   </p:clrMapOvr>
   <mc:AlternateContent xmlns:mc="http://schemas.openxmlformats.org/markup-compatibility/2006">
-    <mc:Choice xmlns="" xmlns:p159="http://schemas.microsoft.com/office/powerpoint/2015/09/main" Requires="p159">
+    <mc:Choice xmlns:p159="http://schemas.microsoft.com/office/powerpoint/2015/09/main" xmlns="" Requires="p159">
       <p:transition xmlns:p14="http://schemas.microsoft.com/office/powerpoint/2010/main" spd="slow" p14:dur="2000">
         <p159:morph option="byObject"/>
       </p:transition>
@@ -8417,7 +8408,7 @@
           <p:cNvPr id="2" name="Title 1">
             <a:extLst>
               <a:ext uri="{FF2B5EF4-FFF2-40B4-BE49-F238E27FC236}">
-                <a16:creationId xmlns="" xmlns:a16="http://schemas.microsoft.com/office/drawing/2014/main" id="{A00588AB-798A-46E6-BD12-77520FE32649}"/>
+                <a16:creationId xmlns:a16="http://schemas.microsoft.com/office/drawing/2014/main" xmlns="" id="{A00588AB-798A-46E6-BD12-77520FE32649}"/>
               </a:ext>
             </a:extLst>
           </p:cNvPr>
@@ -8456,7 +8447,7 @@
           <p:cNvPr id="3" name="Content Placeholder 2">
             <a:extLst>
               <a:ext uri="{FF2B5EF4-FFF2-40B4-BE49-F238E27FC236}">
-                <a16:creationId xmlns="" xmlns:a16="http://schemas.microsoft.com/office/drawing/2014/main" id="{46F3FF38-E51D-4503-8ECD-E5A2C03040A5}"/>
+                <a16:creationId xmlns:a16="http://schemas.microsoft.com/office/drawing/2014/main" xmlns="" id="{46F3FF38-E51D-4503-8ECD-E5A2C03040A5}"/>
               </a:ext>
             </a:extLst>
           </p:cNvPr>
@@ -8545,13 +8536,15 @@
               <a:rPr lang="en-US" sz="1900" dirty="0" smtClean="0">
                 <a:effectLst/>
               </a:rPr>
-              <a:t>Check </a:t>
-            </a:r>
+              <a:t>Check out</a:t>
+            </a:r>
+          </a:p>
+          <a:p>
             <a:r>
               <a:rPr lang="en-US" sz="1900" dirty="0" smtClean="0">
                 <a:effectLst/>
               </a:rPr>
-              <a:t>out</a:t>
+              <a:t>Message to Authority</a:t>
             </a:r>
           </a:p>
           <a:p>
@@ -8559,40 +8552,8 @@
               <a:rPr lang="en-US" sz="1900" dirty="0" smtClean="0">
                 <a:effectLst/>
               </a:rPr>
-              <a:t>Message to Authority</a:t>
-            </a:r>
-            <a:endParaRPr lang="en-US" sz="1900" dirty="0" smtClean="0">
-              <a:effectLst/>
-            </a:endParaRPr>
-          </a:p>
-          <a:p>
-            <a:r>
-              <a:rPr lang="en-US" sz="1900" dirty="0" smtClean="0">
-                <a:effectLst/>
-              </a:rPr>
-              <a:t>Review</a:t>
-            </a:r>
-            <a:r>
-              <a:rPr lang="en-US" sz="1900" dirty="0" smtClean="0">
-                <a:effectLst/>
-              </a:rPr>
-              <a:t> </a:t>
-            </a:r>
-            <a:r>
-              <a:rPr lang="en-US" sz="1900" dirty="0" smtClean="0">
-                <a:effectLst/>
-              </a:rPr>
-              <a:t>and </a:t>
-            </a:r>
-            <a:r>
-              <a:rPr lang="en-US" sz="1900" dirty="0" smtClean="0">
-                <a:effectLst/>
-              </a:rPr>
-              <a:t>Suggestions</a:t>
-            </a:r>
-            <a:endParaRPr lang="en-US" sz="1900" dirty="0" smtClean="0">
-              <a:effectLst/>
-            </a:endParaRPr>
+              <a:t>Review and Suggestions</a:t>
+            </a:r>
           </a:p>
           <a:p>
             <a:pPr marL="0" indent="0">
@@ -8690,11 +8651,7 @@
             </a:pPr>
             <a:r>
               <a:rPr lang="en-US" dirty="0" smtClean="0"/>
-              <a:t>Due </a:t>
-            </a:r>
-            <a:r>
-              <a:rPr lang="en-US" dirty="0" smtClean="0"/>
-              <a:t>check</a:t>
+              <a:t>Due check</a:t>
             </a:r>
           </a:p>
           <a:p>
@@ -8709,7 +8666,6 @@
               <a:rPr lang="en-US" dirty="0" smtClean="0"/>
               <a:t>Communicate with Clients</a:t>
             </a:r>
-            <a:endParaRPr lang="en-US" dirty="0" smtClean="0"/>
           </a:p>
           <a:p>
             <a:pPr marL="342900" indent="-342900">
@@ -8721,13 +8677,8 @@
             </a:pPr>
             <a:r>
               <a:rPr lang="en-US" dirty="0" smtClean="0"/>
-              <a:t>Get </a:t>
-            </a:r>
-            <a:r>
-              <a:rPr lang="en-US" dirty="0" smtClean="0"/>
-              <a:t>reviews and suggestions</a:t>
-            </a:r>
-            <a:endParaRPr lang="en-US" dirty="0" smtClean="0"/>
+              <a:t>Get reviews and suggestions</a:t>
+            </a:r>
           </a:p>
           <a:p>
             <a:pPr marL="342900" indent="-342900">
@@ -8756,7 +8707,7 @@
     <a:masterClrMapping/>
   </p:clrMapOvr>
   <mc:AlternateContent xmlns:mc="http://schemas.openxmlformats.org/markup-compatibility/2006">
-    <mc:Choice xmlns="" xmlns:p159="http://schemas.microsoft.com/office/powerpoint/2015/09/main" Requires="p159">
+    <mc:Choice xmlns:p159="http://schemas.microsoft.com/office/powerpoint/2015/09/main" xmlns="" Requires="p159">
       <p:transition xmlns:p14="http://schemas.microsoft.com/office/powerpoint/2010/main" spd="slow" p14:dur="2000">
         <p159:morph option="byObject"/>
       </p:transition>
@@ -8821,7 +8772,7 @@
           <p:cNvPr id="2" name="Title 1">
             <a:extLst>
               <a:ext uri="{FF2B5EF4-FFF2-40B4-BE49-F238E27FC236}">
-                <a16:creationId xmlns="" xmlns:a16="http://schemas.microsoft.com/office/drawing/2014/main" id="{7E5B50D7-098F-4297-9B16-A735CA7412FC}"/>
+                <a16:creationId xmlns:a16="http://schemas.microsoft.com/office/drawing/2014/main" xmlns="" id="{7E5B50D7-098F-4297-9B16-A735CA7412FC}"/>
               </a:ext>
             </a:extLst>
           </p:cNvPr>
@@ -8925,7 +8876,7 @@
     <a:masterClrMapping/>
   </p:clrMapOvr>
   <mc:AlternateContent xmlns:mc="http://schemas.openxmlformats.org/markup-compatibility/2006">
-    <mc:Choice xmlns="" xmlns:p159="http://schemas.microsoft.com/office/powerpoint/2015/09/main" Requires="p159">
+    <mc:Choice xmlns:p159="http://schemas.microsoft.com/office/powerpoint/2015/09/main" xmlns="" Requires="p159">
       <p:transition xmlns:p14="http://schemas.microsoft.com/office/powerpoint/2010/main" spd="slow" p14:dur="2000">
         <p159:morph option="byObject"/>
       </p:transition>
@@ -8968,7 +8919,7 @@
           <p:cNvPr id="2" name="Title 1">
             <a:extLst>
               <a:ext uri="{FF2B5EF4-FFF2-40B4-BE49-F238E27FC236}">
-                <a16:creationId xmlns="" xmlns:a16="http://schemas.microsoft.com/office/drawing/2014/main" id="{0E58DF31-292D-4E3A-9D8B-EF997AFE2394}"/>
+                <a16:creationId xmlns:a16="http://schemas.microsoft.com/office/drawing/2014/main" xmlns="" id="{0E58DF31-292D-4E3A-9D8B-EF997AFE2394}"/>
               </a:ext>
             </a:extLst>
           </p:cNvPr>
@@ -9008,7 +8959,7 @@
           <p:cNvPr id="3" name="Content Placeholder 2">
             <a:extLst>
               <a:ext uri="{FF2B5EF4-FFF2-40B4-BE49-F238E27FC236}">
-                <a16:creationId xmlns="" xmlns:a16="http://schemas.microsoft.com/office/drawing/2014/main" id="{6F96A6F9-6604-40E6-8862-32A39595FEBA}"/>
+                <a16:creationId xmlns:a16="http://schemas.microsoft.com/office/drawing/2014/main" xmlns="" id="{6F96A6F9-6604-40E6-8862-32A39595FEBA}"/>
               </a:ext>
             </a:extLst>
           </p:cNvPr>
@@ -9125,9 +9076,6 @@
               </a:rPr>
               <a:t>management</a:t>
             </a:r>
-            <a:endParaRPr lang="en-US" sz="2100" dirty="0" smtClean="0">
-              <a:effectLst/>
-            </a:endParaRPr>
           </a:p>
           <a:p>
             <a:pPr lvl="0">
@@ -9144,13 +9092,7 @@
               <a:rPr lang="en-US" sz="2100" dirty="0" smtClean="0">
                 <a:effectLst/>
               </a:rPr>
-              <a:t>         </a:t>
-            </a:r>
-            <a:r>
-              <a:rPr lang="en-US" sz="2100" dirty="0" smtClean="0">
-                <a:effectLst/>
-              </a:rPr>
-              <a:t>Header </a:t>
+              <a:t>         Header </a:t>
             </a:r>
             <a:r>
               <a:rPr lang="en-US" sz="2100" dirty="0">
@@ -9172,7 +9114,7 @@
           <p:cNvPr id="4" name="Content Placeholder 2">
             <a:extLst>
               <a:ext uri="{FF2B5EF4-FFF2-40B4-BE49-F238E27FC236}">
-                <a16:creationId xmlns="" xmlns:a16="http://schemas.microsoft.com/office/drawing/2014/main" id="{6F96A6F9-6604-40E6-8862-32A39595FEBA}"/>
+                <a16:creationId xmlns:a16="http://schemas.microsoft.com/office/drawing/2014/main" xmlns="" id="{6F96A6F9-6604-40E6-8862-32A39595FEBA}"/>
               </a:ext>
             </a:extLst>
           </p:cNvPr>
@@ -9501,7 +9443,7 @@
     <a:masterClrMapping/>
   </p:clrMapOvr>
   <mc:AlternateContent xmlns:mc="http://schemas.openxmlformats.org/markup-compatibility/2006">
-    <mc:Choice xmlns="" xmlns:p159="http://schemas.microsoft.com/office/powerpoint/2015/09/main" Requires="p159">
+    <mc:Choice xmlns:p159="http://schemas.microsoft.com/office/powerpoint/2015/09/main" xmlns="" Requires="p159">
       <p:transition xmlns:p14="http://schemas.microsoft.com/office/powerpoint/2010/main" spd="slow" p14:dur="2000">
         <p159:morph option="byObject"/>
       </p:transition>
@@ -9570,7 +9512,7 @@
           <p:cNvPr id="4" name="Title 1">
             <a:extLst>
               <a:ext uri="{FF2B5EF4-FFF2-40B4-BE49-F238E27FC236}">
-                <a16:creationId xmlns="" xmlns:a16="http://schemas.microsoft.com/office/drawing/2014/main" id="{6A1B17F6-080C-46E5-A60E-63C711097290}"/>
+                <a16:creationId xmlns:a16="http://schemas.microsoft.com/office/drawing/2014/main" xmlns="" id="{6A1B17F6-080C-46E5-A60E-63C711097290}"/>
               </a:ext>
             </a:extLst>
           </p:cNvPr>
@@ -9638,7 +9580,7 @@
     <a:masterClrMapping/>
   </p:clrMapOvr>
   <mc:AlternateContent xmlns:mc="http://schemas.openxmlformats.org/markup-compatibility/2006">
-    <mc:Choice xmlns="" xmlns:p159="http://schemas.microsoft.com/office/powerpoint/2015/09/main" Requires="p159">
+    <mc:Choice xmlns:p159="http://schemas.microsoft.com/office/powerpoint/2015/09/main" xmlns="" Requires="p159">
       <p:transition xmlns:p14="http://schemas.microsoft.com/office/powerpoint/2010/main" spd="slow" p14:dur="2000">
         <p159:morph option="byObject"/>
       </p:transition>
@@ -9681,7 +9623,7 @@
           <p:cNvPr id="4" name="Title 1">
             <a:extLst>
               <a:ext uri="{FF2B5EF4-FFF2-40B4-BE49-F238E27FC236}">
-                <a16:creationId xmlns="" xmlns:a16="http://schemas.microsoft.com/office/drawing/2014/main" id="{6A1B17F6-080C-46E5-A60E-63C711097290}"/>
+                <a16:creationId xmlns:a16="http://schemas.microsoft.com/office/drawing/2014/main" xmlns="" id="{6A1B17F6-080C-46E5-A60E-63C711097290}"/>
               </a:ext>
             </a:extLst>
           </p:cNvPr>
@@ -9773,7 +9715,7 @@
     <a:masterClrMapping/>
   </p:clrMapOvr>
   <mc:AlternateContent xmlns:mc="http://schemas.openxmlformats.org/markup-compatibility/2006">
-    <mc:Choice xmlns="" xmlns:p159="http://schemas.microsoft.com/office/powerpoint/2015/09/main" Requires="p159">
+    <mc:Choice xmlns:p159="http://schemas.microsoft.com/office/powerpoint/2015/09/main" xmlns="" Requires="p159">
       <p:transition xmlns:p14="http://schemas.microsoft.com/office/powerpoint/2010/main" spd="slow" p14:dur="2000">
         <p159:morph option="byObject"/>
       </p:transition>
@@ -9797,7 +9739,7 @@
 <file path=ppt/theme/theme1.xml><?xml version="1.0" encoding="utf-8"?>
 <a:theme xmlns:a="http://schemas.openxmlformats.org/drawingml/2006/main" name="Damask">
   <a:themeElements>
-    <a:clrScheme name="Grayscale">
+    <a:clrScheme name="Blue Warm">
       <a:dk1>
         <a:sysClr val="windowText" lastClr="000000"/>
       </a:dk1>
@@ -9805,34 +9747,34 @@
         <a:sysClr val="window" lastClr="FFFFFF"/>
       </a:lt1>
       <a:dk2>
-        <a:srgbClr val="000000"/>
+        <a:srgbClr val="242852"/>
       </a:dk2>
       <a:lt2>
-        <a:srgbClr val="F8F8F8"/>
+        <a:srgbClr val="ACCBF9"/>
       </a:lt2>
       <a:accent1>
-        <a:srgbClr val="DDDDDD"/>
+        <a:srgbClr val="4A66AC"/>
       </a:accent1>
       <a:accent2>
-        <a:srgbClr val="B2B2B2"/>
+        <a:srgbClr val="629DD1"/>
       </a:accent2>
       <a:accent3>
-        <a:srgbClr val="969696"/>
+        <a:srgbClr val="297FD5"/>
       </a:accent3>
       <a:accent4>
-        <a:srgbClr val="808080"/>
+        <a:srgbClr val="7F8FA9"/>
       </a:accent4>
       <a:accent5>
-        <a:srgbClr val="5F5F5F"/>
+        <a:srgbClr val="5AA2AE"/>
       </a:accent5>
       <a:accent6>
-        <a:srgbClr val="4D4D4D"/>
+        <a:srgbClr val="9D90A0"/>
       </a:accent6>
       <a:hlink>
-        <a:srgbClr val="5F5F5F"/>
+        <a:srgbClr val="9454C3"/>
       </a:hlink>
       <a:folHlink>
-        <a:srgbClr val="919191"/>
+        <a:srgbClr val="3EBBF0"/>
       </a:folHlink>
     </a:clrScheme>
     <a:fontScheme name="Damask">
